--- a/nginx-internal.pptx
+++ b/nginx-internal.pptx
@@ -1,18 +1,19 @@
 
 <file path=ppt/presentation.xml><?xml version="1.0" encoding="utf-8"?>
-<p:presentation xmlns:a="http://schemas.openxmlformats.org/drawingml/2006/main" xmlns:r="http://schemas.openxmlformats.org/officeDocument/2006/relationships" xmlns:p="http://schemas.openxmlformats.org/presentationml/2006/main" saveSubsetFonts="1" autoCompressPictures="0">
+<p:presentation xmlns:a="http://schemas.openxmlformats.org/drawingml/2006/main" xmlns:r="http://schemas.openxmlformats.org/officeDocument/2006/relationships" xmlns:p="http://schemas.openxmlformats.org/presentationml/2006/main" autoCompressPictures="0">
   <p:sldMasterIdLst>
     <p:sldMasterId id="2147483648" r:id="rId1"/>
   </p:sldMasterIdLst>
   <p:sldIdLst>
-    <p:sldId id="256" r:id="rId2"/>
-    <p:sldId id="262" r:id="rId3"/>
-    <p:sldId id="258" r:id="rId4"/>
-    <p:sldId id="257" r:id="rId5"/>
-    <p:sldId id="259" r:id="rId6"/>
-    <p:sldId id="260" r:id="rId7"/>
-    <p:sldId id="261" r:id="rId8"/>
-    <p:sldId id="263" r:id="rId9"/>
+    <p:sldId id="256" r:id="rId3"/>
+    <p:sldId id="262" r:id="rId4"/>
+    <p:sldId id="258" r:id="rId5"/>
+    <p:sldId id="257" r:id="rId6"/>
+    <p:sldId id="259" r:id="rId7"/>
+    <p:sldId id="260" r:id="rId8"/>
+    <p:sldId id="261" r:id="rId9"/>
+    <p:sldId id="263" r:id="rId10"/>
+    <p:sldId id="269" r:id="rId11"/>
   </p:sldIdLst>
   <p:sldSz cx="12192000" cy="6858000"/>
   <p:notesSz cx="6858000" cy="9144000"/>
@@ -245,7 +246,6 @@
           <a:p>
             <a:fld id="{A5C48358-A3BB-B741-A017-864EAE10DE13}" type="datetimeFigureOut">
               <a:rPr kumimoji="1" lang="zh-CN" altLang="en-US" smtClean="0"/>
-              <a:t>2019/4/10</a:t>
             </a:fld>
             <a:endParaRPr kumimoji="1" lang="zh-CN" altLang="en-US"/>
           </a:p>
@@ -287,18 +287,12 @@
           <a:p>
             <a:fld id="{F469ABF5-1C12-5040-86B2-97D3C22FA1C4}" type="slidenum">
               <a:rPr kumimoji="1" lang="zh-CN" altLang="en-US" smtClean="0"/>
-              <a:t>‹#›</a:t>
             </a:fld>
             <a:endParaRPr kumimoji="1" lang="zh-CN" altLang="en-US"/>
           </a:p>
         </p:txBody>
       </p:sp>
     </p:spTree>
-    <p:extLst>
-      <p:ext uri="{BB962C8B-B14F-4D97-AF65-F5344CB8AC3E}">
-        <p14:creationId xmlns:p14="http://schemas.microsoft.com/office/powerpoint/2010/main" val="1493890443"/>
-      </p:ext>
-    </p:extLst>
   </p:cSld>
   <p:clrMapOvr>
     <a:masterClrMapping/>
@@ -366,6 +360,7 @@
               <a:rPr kumimoji="1" lang="zh-CN" altLang="en-US" smtClean="0"/>
               <a:t>单击此处编辑母版文本样式</a:t>
             </a:r>
+            <a:endParaRPr kumimoji="1" lang="zh-CN" altLang="en-US" smtClean="0"/>
           </a:p>
           <a:p>
             <a:pPr lvl="1"/>
@@ -373,6 +368,7 @@
               <a:rPr kumimoji="1" lang="zh-CN" altLang="en-US" smtClean="0"/>
               <a:t>二级</a:t>
             </a:r>
+            <a:endParaRPr kumimoji="1" lang="zh-CN" altLang="en-US" smtClean="0"/>
           </a:p>
           <a:p>
             <a:pPr lvl="2"/>
@@ -380,6 +376,7 @@
               <a:rPr kumimoji="1" lang="zh-CN" altLang="en-US" smtClean="0"/>
               <a:t>三级</a:t>
             </a:r>
+            <a:endParaRPr kumimoji="1" lang="zh-CN" altLang="en-US" smtClean="0"/>
           </a:p>
           <a:p>
             <a:pPr lvl="3"/>
@@ -387,6 +384,7 @@
               <a:rPr kumimoji="1" lang="zh-CN" altLang="en-US" smtClean="0"/>
               <a:t>四级</a:t>
             </a:r>
+            <a:endParaRPr kumimoji="1" lang="zh-CN" altLang="en-US" smtClean="0"/>
           </a:p>
           <a:p>
             <a:pPr lvl="4"/>
@@ -415,7 +413,6 @@
           <a:p>
             <a:fld id="{A5C48358-A3BB-B741-A017-864EAE10DE13}" type="datetimeFigureOut">
               <a:rPr kumimoji="1" lang="zh-CN" altLang="en-US" smtClean="0"/>
-              <a:t>2019/4/10</a:t>
             </a:fld>
             <a:endParaRPr kumimoji="1" lang="zh-CN" altLang="en-US"/>
           </a:p>
@@ -457,18 +454,12 @@
           <a:p>
             <a:fld id="{F469ABF5-1C12-5040-86B2-97D3C22FA1C4}" type="slidenum">
               <a:rPr kumimoji="1" lang="zh-CN" altLang="en-US" smtClean="0"/>
-              <a:t>‹#›</a:t>
             </a:fld>
             <a:endParaRPr kumimoji="1" lang="zh-CN" altLang="en-US"/>
           </a:p>
         </p:txBody>
       </p:sp>
     </p:spTree>
-    <p:extLst>
-      <p:ext uri="{BB962C8B-B14F-4D97-AF65-F5344CB8AC3E}">
-        <p14:creationId xmlns:p14="http://schemas.microsoft.com/office/powerpoint/2010/main" val="1592086065"/>
-      </p:ext>
-    </p:extLst>
   </p:cSld>
   <p:clrMapOvr>
     <a:masterClrMapping/>
@@ -546,6 +537,7 @@
               <a:rPr kumimoji="1" lang="zh-CN" altLang="en-US" smtClean="0"/>
               <a:t>单击此处编辑母版文本样式</a:t>
             </a:r>
+            <a:endParaRPr kumimoji="1" lang="zh-CN" altLang="en-US" smtClean="0"/>
           </a:p>
           <a:p>
             <a:pPr lvl="1"/>
@@ -553,6 +545,7 @@
               <a:rPr kumimoji="1" lang="zh-CN" altLang="en-US" smtClean="0"/>
               <a:t>二级</a:t>
             </a:r>
+            <a:endParaRPr kumimoji="1" lang="zh-CN" altLang="en-US" smtClean="0"/>
           </a:p>
           <a:p>
             <a:pPr lvl="2"/>
@@ -560,6 +553,7 @@
               <a:rPr kumimoji="1" lang="zh-CN" altLang="en-US" smtClean="0"/>
               <a:t>三级</a:t>
             </a:r>
+            <a:endParaRPr kumimoji="1" lang="zh-CN" altLang="en-US" smtClean="0"/>
           </a:p>
           <a:p>
             <a:pPr lvl="3"/>
@@ -567,6 +561,7 @@
               <a:rPr kumimoji="1" lang="zh-CN" altLang="en-US" smtClean="0"/>
               <a:t>四级</a:t>
             </a:r>
+            <a:endParaRPr kumimoji="1" lang="zh-CN" altLang="en-US" smtClean="0"/>
           </a:p>
           <a:p>
             <a:pPr lvl="4"/>
@@ -595,7 +590,6 @@
           <a:p>
             <a:fld id="{A5C48358-A3BB-B741-A017-864EAE10DE13}" type="datetimeFigureOut">
               <a:rPr kumimoji="1" lang="zh-CN" altLang="en-US" smtClean="0"/>
-              <a:t>2019/4/10</a:t>
             </a:fld>
             <a:endParaRPr kumimoji="1" lang="zh-CN" altLang="en-US"/>
           </a:p>
@@ -637,18 +631,12 @@
           <a:p>
             <a:fld id="{F469ABF5-1C12-5040-86B2-97D3C22FA1C4}" type="slidenum">
               <a:rPr kumimoji="1" lang="zh-CN" altLang="en-US" smtClean="0"/>
-              <a:t>‹#›</a:t>
             </a:fld>
             <a:endParaRPr kumimoji="1" lang="zh-CN" altLang="en-US"/>
           </a:p>
         </p:txBody>
       </p:sp>
     </p:spTree>
-    <p:extLst>
-      <p:ext uri="{BB962C8B-B14F-4D97-AF65-F5344CB8AC3E}">
-        <p14:creationId xmlns:p14="http://schemas.microsoft.com/office/powerpoint/2010/main" val="544252835"/>
-      </p:ext>
-    </p:extLst>
   </p:cSld>
   <p:clrMapOvr>
     <a:masterClrMapping/>
@@ -716,6 +704,7 @@
               <a:rPr kumimoji="1" lang="zh-CN" altLang="en-US" smtClean="0"/>
               <a:t>单击此处编辑母版文本样式</a:t>
             </a:r>
+            <a:endParaRPr kumimoji="1" lang="zh-CN" altLang="en-US" smtClean="0"/>
           </a:p>
           <a:p>
             <a:pPr lvl="1"/>
@@ -723,6 +712,7 @@
               <a:rPr kumimoji="1" lang="zh-CN" altLang="en-US" smtClean="0"/>
               <a:t>二级</a:t>
             </a:r>
+            <a:endParaRPr kumimoji="1" lang="zh-CN" altLang="en-US" smtClean="0"/>
           </a:p>
           <a:p>
             <a:pPr lvl="2"/>
@@ -730,6 +720,7 @@
               <a:rPr kumimoji="1" lang="zh-CN" altLang="en-US" smtClean="0"/>
               <a:t>三级</a:t>
             </a:r>
+            <a:endParaRPr kumimoji="1" lang="zh-CN" altLang="en-US" smtClean="0"/>
           </a:p>
           <a:p>
             <a:pPr lvl="3"/>
@@ -737,6 +728,7 @@
               <a:rPr kumimoji="1" lang="zh-CN" altLang="en-US" smtClean="0"/>
               <a:t>四级</a:t>
             </a:r>
+            <a:endParaRPr kumimoji="1" lang="zh-CN" altLang="en-US" smtClean="0"/>
           </a:p>
           <a:p>
             <a:pPr lvl="4"/>
@@ -765,7 +757,6 @@
           <a:p>
             <a:fld id="{A5C48358-A3BB-B741-A017-864EAE10DE13}" type="datetimeFigureOut">
               <a:rPr kumimoji="1" lang="zh-CN" altLang="en-US" smtClean="0"/>
-              <a:t>2019/4/10</a:t>
             </a:fld>
             <a:endParaRPr kumimoji="1" lang="zh-CN" altLang="en-US"/>
           </a:p>
@@ -807,18 +798,12 @@
           <a:p>
             <a:fld id="{F469ABF5-1C12-5040-86B2-97D3C22FA1C4}" type="slidenum">
               <a:rPr kumimoji="1" lang="zh-CN" altLang="en-US" smtClean="0"/>
-              <a:t>‹#›</a:t>
             </a:fld>
             <a:endParaRPr kumimoji="1" lang="zh-CN" altLang="en-US"/>
           </a:p>
         </p:txBody>
       </p:sp>
     </p:spTree>
-    <p:extLst>
-      <p:ext uri="{BB962C8B-B14F-4D97-AF65-F5344CB8AC3E}">
-        <p14:creationId xmlns:p14="http://schemas.microsoft.com/office/powerpoint/2010/main" val="1343108160"/>
-      </p:ext>
-    </p:extLst>
   </p:cSld>
   <p:clrMapOvr>
     <a:masterClrMapping/>
@@ -991,6 +976,7 @@
               <a:rPr kumimoji="1" lang="zh-CN" altLang="en-US" smtClean="0"/>
               <a:t>单击此处编辑母版文本样式</a:t>
             </a:r>
+            <a:endParaRPr kumimoji="1" lang="zh-CN" altLang="en-US" smtClean="0"/>
           </a:p>
         </p:txBody>
       </p:sp>
@@ -1011,7 +997,6 @@
           <a:p>
             <a:fld id="{A5C48358-A3BB-B741-A017-864EAE10DE13}" type="datetimeFigureOut">
               <a:rPr kumimoji="1" lang="zh-CN" altLang="en-US" smtClean="0"/>
-              <a:t>2019/4/10</a:t>
             </a:fld>
             <a:endParaRPr kumimoji="1" lang="zh-CN" altLang="en-US"/>
           </a:p>
@@ -1053,18 +1038,12 @@
           <a:p>
             <a:fld id="{F469ABF5-1C12-5040-86B2-97D3C22FA1C4}" type="slidenum">
               <a:rPr kumimoji="1" lang="zh-CN" altLang="en-US" smtClean="0"/>
-              <a:t>‹#›</a:t>
             </a:fld>
             <a:endParaRPr kumimoji="1" lang="zh-CN" altLang="en-US"/>
           </a:p>
         </p:txBody>
       </p:sp>
     </p:spTree>
-    <p:extLst>
-      <p:ext uri="{BB962C8B-B14F-4D97-AF65-F5344CB8AC3E}">
-        <p14:creationId xmlns:p14="http://schemas.microsoft.com/office/powerpoint/2010/main" val="202261991"/>
-      </p:ext>
-    </p:extLst>
   </p:cSld>
   <p:clrMapOvr>
     <a:masterClrMapping/>
@@ -1137,6 +1116,7 @@
               <a:rPr kumimoji="1" lang="zh-CN" altLang="en-US" smtClean="0"/>
               <a:t>单击此处编辑母版文本样式</a:t>
             </a:r>
+            <a:endParaRPr kumimoji="1" lang="zh-CN" altLang="en-US" smtClean="0"/>
           </a:p>
           <a:p>
             <a:pPr lvl="1"/>
@@ -1144,6 +1124,7 @@
               <a:rPr kumimoji="1" lang="zh-CN" altLang="en-US" smtClean="0"/>
               <a:t>二级</a:t>
             </a:r>
+            <a:endParaRPr kumimoji="1" lang="zh-CN" altLang="en-US" smtClean="0"/>
           </a:p>
           <a:p>
             <a:pPr lvl="2"/>
@@ -1151,6 +1132,7 @@
               <a:rPr kumimoji="1" lang="zh-CN" altLang="en-US" smtClean="0"/>
               <a:t>三级</a:t>
             </a:r>
+            <a:endParaRPr kumimoji="1" lang="zh-CN" altLang="en-US" smtClean="0"/>
           </a:p>
           <a:p>
             <a:pPr lvl="3"/>
@@ -1158,6 +1140,7 @@
               <a:rPr kumimoji="1" lang="zh-CN" altLang="en-US" smtClean="0"/>
               <a:t>四级</a:t>
             </a:r>
+            <a:endParaRPr kumimoji="1" lang="zh-CN" altLang="en-US" smtClean="0"/>
           </a:p>
           <a:p>
             <a:pPr lvl="4"/>
@@ -1194,6 +1177,7 @@
               <a:rPr kumimoji="1" lang="zh-CN" altLang="en-US" smtClean="0"/>
               <a:t>单击此处编辑母版文本样式</a:t>
             </a:r>
+            <a:endParaRPr kumimoji="1" lang="zh-CN" altLang="en-US" smtClean="0"/>
           </a:p>
           <a:p>
             <a:pPr lvl="1"/>
@@ -1201,6 +1185,7 @@
               <a:rPr kumimoji="1" lang="zh-CN" altLang="en-US" smtClean="0"/>
               <a:t>二级</a:t>
             </a:r>
+            <a:endParaRPr kumimoji="1" lang="zh-CN" altLang="en-US" smtClean="0"/>
           </a:p>
           <a:p>
             <a:pPr lvl="2"/>
@@ -1208,6 +1193,7 @@
               <a:rPr kumimoji="1" lang="zh-CN" altLang="en-US" smtClean="0"/>
               <a:t>三级</a:t>
             </a:r>
+            <a:endParaRPr kumimoji="1" lang="zh-CN" altLang="en-US" smtClean="0"/>
           </a:p>
           <a:p>
             <a:pPr lvl="3"/>
@@ -1215,6 +1201,7 @@
               <a:rPr kumimoji="1" lang="zh-CN" altLang="en-US" smtClean="0"/>
               <a:t>四级</a:t>
             </a:r>
+            <a:endParaRPr kumimoji="1" lang="zh-CN" altLang="en-US" smtClean="0"/>
           </a:p>
           <a:p>
             <a:pPr lvl="4"/>
@@ -1243,7 +1230,6 @@
           <a:p>
             <a:fld id="{A5C48358-A3BB-B741-A017-864EAE10DE13}" type="datetimeFigureOut">
               <a:rPr kumimoji="1" lang="zh-CN" altLang="en-US" smtClean="0"/>
-              <a:t>2019/4/10</a:t>
             </a:fld>
             <a:endParaRPr kumimoji="1" lang="zh-CN" altLang="en-US"/>
           </a:p>
@@ -1285,18 +1271,12 @@
           <a:p>
             <a:fld id="{F469ABF5-1C12-5040-86B2-97D3C22FA1C4}" type="slidenum">
               <a:rPr kumimoji="1" lang="zh-CN" altLang="en-US" smtClean="0"/>
-              <a:t>‹#›</a:t>
             </a:fld>
             <a:endParaRPr kumimoji="1" lang="zh-CN" altLang="en-US"/>
           </a:p>
         </p:txBody>
       </p:sp>
     </p:spTree>
-    <p:extLst>
-      <p:ext uri="{BB962C8B-B14F-4D97-AF65-F5344CB8AC3E}">
-        <p14:creationId xmlns:p14="http://schemas.microsoft.com/office/powerpoint/2010/main" val="2098153183"/>
-      </p:ext>
-    </p:extLst>
   </p:cSld>
   <p:clrMapOvr>
     <a:masterClrMapping/>
@@ -1411,6 +1391,7 @@
               <a:rPr kumimoji="1" lang="zh-CN" altLang="en-US" smtClean="0"/>
               <a:t>单击此处编辑母版文本样式</a:t>
             </a:r>
+            <a:endParaRPr kumimoji="1" lang="zh-CN" altLang="en-US" smtClean="0"/>
           </a:p>
         </p:txBody>
       </p:sp>
@@ -1439,6 +1420,7 @@
               <a:rPr kumimoji="1" lang="zh-CN" altLang="en-US" smtClean="0"/>
               <a:t>单击此处编辑母版文本样式</a:t>
             </a:r>
+            <a:endParaRPr kumimoji="1" lang="zh-CN" altLang="en-US" smtClean="0"/>
           </a:p>
           <a:p>
             <a:pPr lvl="1"/>
@@ -1446,6 +1428,7 @@
               <a:rPr kumimoji="1" lang="zh-CN" altLang="en-US" smtClean="0"/>
               <a:t>二级</a:t>
             </a:r>
+            <a:endParaRPr kumimoji="1" lang="zh-CN" altLang="en-US" smtClean="0"/>
           </a:p>
           <a:p>
             <a:pPr lvl="2"/>
@@ -1453,6 +1436,7 @@
               <a:rPr kumimoji="1" lang="zh-CN" altLang="en-US" smtClean="0"/>
               <a:t>三级</a:t>
             </a:r>
+            <a:endParaRPr kumimoji="1" lang="zh-CN" altLang="en-US" smtClean="0"/>
           </a:p>
           <a:p>
             <a:pPr lvl="3"/>
@@ -1460,6 +1444,7 @@
               <a:rPr kumimoji="1" lang="zh-CN" altLang="en-US" smtClean="0"/>
               <a:t>四级</a:t>
             </a:r>
+            <a:endParaRPr kumimoji="1" lang="zh-CN" altLang="en-US" smtClean="0"/>
           </a:p>
           <a:p>
             <a:pPr lvl="4"/>
@@ -1533,6 +1518,7 @@
               <a:rPr kumimoji="1" lang="zh-CN" altLang="en-US" smtClean="0"/>
               <a:t>单击此处编辑母版文本样式</a:t>
             </a:r>
+            <a:endParaRPr kumimoji="1" lang="zh-CN" altLang="en-US" smtClean="0"/>
           </a:p>
         </p:txBody>
       </p:sp>
@@ -1561,6 +1547,7 @@
               <a:rPr kumimoji="1" lang="zh-CN" altLang="en-US" smtClean="0"/>
               <a:t>单击此处编辑母版文本样式</a:t>
             </a:r>
+            <a:endParaRPr kumimoji="1" lang="zh-CN" altLang="en-US" smtClean="0"/>
           </a:p>
           <a:p>
             <a:pPr lvl="1"/>
@@ -1568,6 +1555,7 @@
               <a:rPr kumimoji="1" lang="zh-CN" altLang="en-US" smtClean="0"/>
               <a:t>二级</a:t>
             </a:r>
+            <a:endParaRPr kumimoji="1" lang="zh-CN" altLang="en-US" smtClean="0"/>
           </a:p>
           <a:p>
             <a:pPr lvl="2"/>
@@ -1575,6 +1563,7 @@
               <a:rPr kumimoji="1" lang="zh-CN" altLang="en-US" smtClean="0"/>
               <a:t>三级</a:t>
             </a:r>
+            <a:endParaRPr kumimoji="1" lang="zh-CN" altLang="en-US" smtClean="0"/>
           </a:p>
           <a:p>
             <a:pPr lvl="3"/>
@@ -1582,6 +1571,7 @@
               <a:rPr kumimoji="1" lang="zh-CN" altLang="en-US" smtClean="0"/>
               <a:t>四级</a:t>
             </a:r>
+            <a:endParaRPr kumimoji="1" lang="zh-CN" altLang="en-US" smtClean="0"/>
           </a:p>
           <a:p>
             <a:pPr lvl="4"/>
@@ -1610,7 +1600,6 @@
           <a:p>
             <a:fld id="{A5C48358-A3BB-B741-A017-864EAE10DE13}" type="datetimeFigureOut">
               <a:rPr kumimoji="1" lang="zh-CN" altLang="en-US" smtClean="0"/>
-              <a:t>2019/4/10</a:t>
             </a:fld>
             <a:endParaRPr kumimoji="1" lang="zh-CN" altLang="en-US"/>
           </a:p>
@@ -1652,18 +1641,12 @@
           <a:p>
             <a:fld id="{F469ABF5-1C12-5040-86B2-97D3C22FA1C4}" type="slidenum">
               <a:rPr kumimoji="1" lang="zh-CN" altLang="en-US" smtClean="0"/>
-              <a:t>‹#›</a:t>
             </a:fld>
             <a:endParaRPr kumimoji="1" lang="zh-CN" altLang="en-US"/>
           </a:p>
         </p:txBody>
       </p:sp>
     </p:spTree>
-    <p:extLst>
-      <p:ext uri="{BB962C8B-B14F-4D97-AF65-F5344CB8AC3E}">
-        <p14:creationId xmlns:p14="http://schemas.microsoft.com/office/powerpoint/2010/main" val="1979062941"/>
-      </p:ext>
-    </p:extLst>
   </p:cSld>
   <p:clrMapOvr>
     <a:masterClrMapping/>
@@ -1728,7 +1711,6 @@
           <a:p>
             <a:fld id="{A5C48358-A3BB-B741-A017-864EAE10DE13}" type="datetimeFigureOut">
               <a:rPr kumimoji="1" lang="zh-CN" altLang="en-US" smtClean="0"/>
-              <a:t>2019/4/10</a:t>
             </a:fld>
             <a:endParaRPr kumimoji="1" lang="zh-CN" altLang="en-US"/>
           </a:p>
@@ -1770,18 +1752,12 @@
           <a:p>
             <a:fld id="{F469ABF5-1C12-5040-86B2-97D3C22FA1C4}" type="slidenum">
               <a:rPr kumimoji="1" lang="zh-CN" altLang="en-US" smtClean="0"/>
-              <a:t>‹#›</a:t>
             </a:fld>
             <a:endParaRPr kumimoji="1" lang="zh-CN" altLang="en-US"/>
           </a:p>
         </p:txBody>
       </p:sp>
     </p:spTree>
-    <p:extLst>
-      <p:ext uri="{BB962C8B-B14F-4D97-AF65-F5344CB8AC3E}">
-        <p14:creationId xmlns:p14="http://schemas.microsoft.com/office/powerpoint/2010/main" val="1884124651"/>
-      </p:ext>
-    </p:extLst>
   </p:cSld>
   <p:clrMapOvr>
     <a:masterClrMapping/>
@@ -1823,7 +1799,6 @@
           <a:p>
             <a:fld id="{A5C48358-A3BB-B741-A017-864EAE10DE13}" type="datetimeFigureOut">
               <a:rPr kumimoji="1" lang="zh-CN" altLang="en-US" smtClean="0"/>
-              <a:t>2019/4/10</a:t>
             </a:fld>
             <a:endParaRPr kumimoji="1" lang="zh-CN" altLang="en-US"/>
           </a:p>
@@ -1865,18 +1840,12 @@
           <a:p>
             <a:fld id="{F469ABF5-1C12-5040-86B2-97D3C22FA1C4}" type="slidenum">
               <a:rPr kumimoji="1" lang="zh-CN" altLang="en-US" smtClean="0"/>
-              <a:t>‹#›</a:t>
             </a:fld>
             <a:endParaRPr kumimoji="1" lang="zh-CN" altLang="en-US"/>
           </a:p>
         </p:txBody>
       </p:sp>
     </p:spTree>
-    <p:extLst>
-      <p:ext uri="{BB962C8B-B14F-4D97-AF65-F5344CB8AC3E}">
-        <p14:creationId xmlns:p14="http://schemas.microsoft.com/office/powerpoint/2010/main" val="1836634342"/>
-      </p:ext>
-    </p:extLst>
   </p:cSld>
   <p:clrMapOvr>
     <a:masterClrMapping/>
@@ -1986,6 +1955,7 @@
               <a:rPr kumimoji="1" lang="zh-CN" altLang="en-US" smtClean="0"/>
               <a:t>单击此处编辑母版文本样式</a:t>
             </a:r>
+            <a:endParaRPr kumimoji="1" lang="zh-CN" altLang="en-US" smtClean="0"/>
           </a:p>
           <a:p>
             <a:pPr lvl="1"/>
@@ -1993,6 +1963,7 @@
               <a:rPr kumimoji="1" lang="zh-CN" altLang="en-US" smtClean="0"/>
               <a:t>二级</a:t>
             </a:r>
+            <a:endParaRPr kumimoji="1" lang="zh-CN" altLang="en-US" smtClean="0"/>
           </a:p>
           <a:p>
             <a:pPr lvl="2"/>
@@ -2000,6 +1971,7 @@
               <a:rPr kumimoji="1" lang="zh-CN" altLang="en-US" smtClean="0"/>
               <a:t>三级</a:t>
             </a:r>
+            <a:endParaRPr kumimoji="1" lang="zh-CN" altLang="en-US" smtClean="0"/>
           </a:p>
           <a:p>
             <a:pPr lvl="3"/>
@@ -2007,6 +1979,7 @@
               <a:rPr kumimoji="1" lang="zh-CN" altLang="en-US" smtClean="0"/>
               <a:t>四级</a:t>
             </a:r>
+            <a:endParaRPr kumimoji="1" lang="zh-CN" altLang="en-US" smtClean="0"/>
           </a:p>
           <a:p>
             <a:pPr lvl="4"/>
@@ -2080,6 +2053,7 @@
               <a:rPr kumimoji="1" lang="zh-CN" altLang="en-US" smtClean="0"/>
               <a:t>单击此处编辑母版文本样式</a:t>
             </a:r>
+            <a:endParaRPr kumimoji="1" lang="zh-CN" altLang="en-US" smtClean="0"/>
           </a:p>
         </p:txBody>
       </p:sp>
@@ -2100,7 +2074,6 @@
           <a:p>
             <a:fld id="{A5C48358-A3BB-B741-A017-864EAE10DE13}" type="datetimeFigureOut">
               <a:rPr kumimoji="1" lang="zh-CN" altLang="en-US" smtClean="0"/>
-              <a:t>2019/4/10</a:t>
             </a:fld>
             <a:endParaRPr kumimoji="1" lang="zh-CN" altLang="en-US"/>
           </a:p>
@@ -2142,18 +2115,12 @@
           <a:p>
             <a:fld id="{F469ABF5-1C12-5040-86B2-97D3C22FA1C4}" type="slidenum">
               <a:rPr kumimoji="1" lang="zh-CN" altLang="en-US" smtClean="0"/>
-              <a:t>‹#›</a:t>
             </a:fld>
             <a:endParaRPr kumimoji="1" lang="zh-CN" altLang="en-US"/>
           </a:p>
         </p:txBody>
       </p:sp>
     </p:spTree>
-    <p:extLst>
-      <p:ext uri="{BB962C8B-B14F-4D97-AF65-F5344CB8AC3E}">
-        <p14:creationId xmlns:p14="http://schemas.microsoft.com/office/powerpoint/2010/main" val="383444016"/>
-      </p:ext>
-    </p:extLst>
   </p:cSld>
   <p:clrMapOvr>
     <a:masterClrMapping/>
@@ -2333,6 +2300,7 @@
               <a:rPr kumimoji="1" lang="zh-CN" altLang="en-US" smtClean="0"/>
               <a:t>单击此处编辑母版文本样式</a:t>
             </a:r>
+            <a:endParaRPr kumimoji="1" lang="zh-CN" altLang="en-US" smtClean="0"/>
           </a:p>
         </p:txBody>
       </p:sp>
@@ -2353,7 +2321,6 @@
           <a:p>
             <a:fld id="{A5C48358-A3BB-B741-A017-864EAE10DE13}" type="datetimeFigureOut">
               <a:rPr kumimoji="1" lang="zh-CN" altLang="en-US" smtClean="0"/>
-              <a:t>2019/4/10</a:t>
             </a:fld>
             <a:endParaRPr kumimoji="1" lang="zh-CN" altLang="en-US"/>
           </a:p>
@@ -2395,18 +2362,12 @@
           <a:p>
             <a:fld id="{F469ABF5-1C12-5040-86B2-97D3C22FA1C4}" type="slidenum">
               <a:rPr kumimoji="1" lang="zh-CN" altLang="en-US" smtClean="0"/>
-              <a:t>‹#›</a:t>
             </a:fld>
             <a:endParaRPr kumimoji="1" lang="zh-CN" altLang="en-US"/>
           </a:p>
         </p:txBody>
       </p:sp>
     </p:spTree>
-    <p:extLst>
-      <p:ext uri="{BB962C8B-B14F-4D97-AF65-F5344CB8AC3E}">
-        <p14:creationId xmlns:p14="http://schemas.microsoft.com/office/powerpoint/2010/main" val="2092635912"/>
-      </p:ext>
-    </p:extLst>
   </p:cSld>
   <p:clrMapOvr>
     <a:masterClrMapping/>
@@ -2499,6 +2460,7 @@
               <a:rPr kumimoji="1" lang="zh-CN" altLang="en-US" smtClean="0"/>
               <a:t>单击此处编辑母版文本样式</a:t>
             </a:r>
+            <a:endParaRPr kumimoji="1" lang="zh-CN" altLang="en-US" smtClean="0"/>
           </a:p>
           <a:p>
             <a:pPr lvl="1"/>
@@ -2506,6 +2468,7 @@
               <a:rPr kumimoji="1" lang="zh-CN" altLang="en-US" smtClean="0"/>
               <a:t>二级</a:t>
             </a:r>
+            <a:endParaRPr kumimoji="1" lang="zh-CN" altLang="en-US" smtClean="0"/>
           </a:p>
           <a:p>
             <a:pPr lvl="2"/>
@@ -2513,6 +2476,7 @@
               <a:rPr kumimoji="1" lang="zh-CN" altLang="en-US" smtClean="0"/>
               <a:t>三级</a:t>
             </a:r>
+            <a:endParaRPr kumimoji="1" lang="zh-CN" altLang="en-US" smtClean="0"/>
           </a:p>
           <a:p>
             <a:pPr lvl="3"/>
@@ -2520,6 +2484,7 @@
               <a:rPr kumimoji="1" lang="zh-CN" altLang="en-US" smtClean="0"/>
               <a:t>四级</a:t>
             </a:r>
+            <a:endParaRPr kumimoji="1" lang="zh-CN" altLang="en-US" smtClean="0"/>
           </a:p>
           <a:p>
             <a:pPr lvl="4"/>
@@ -2566,7 +2531,6 @@
           <a:p>
             <a:fld id="{A5C48358-A3BB-B741-A017-864EAE10DE13}" type="datetimeFigureOut">
               <a:rPr kumimoji="1" lang="zh-CN" altLang="en-US" smtClean="0"/>
-              <a:t>2019/4/10</a:t>
             </a:fld>
             <a:endParaRPr kumimoji="1" lang="zh-CN" altLang="en-US"/>
           </a:p>
@@ -2644,18 +2608,12 @@
           <a:p>
             <a:fld id="{F469ABF5-1C12-5040-86B2-97D3C22FA1C4}" type="slidenum">
               <a:rPr kumimoji="1" lang="zh-CN" altLang="en-US" smtClean="0"/>
-              <a:t>‹#›</a:t>
             </a:fld>
             <a:endParaRPr kumimoji="1" lang="zh-CN" altLang="en-US"/>
           </a:p>
         </p:txBody>
       </p:sp>
     </p:spTree>
-    <p:extLst>
-      <p:ext uri="{BB962C8B-B14F-4D97-AF65-F5344CB8AC3E}">
-        <p14:creationId xmlns:p14="http://schemas.microsoft.com/office/powerpoint/2010/main" val="1211634071"/>
-      </p:ext>
-    </p:extLst>
   </p:cSld>
   <p:clrMap bg1="lt1" tx1="dk1" bg2="lt2" tx2="dk2" accent1="accent1" accent2="accent2" accent3="accent3" accent4="accent4" accent5="accent5" accent6="accent6" hlink="hlink" folHlink="folHlink"/>
   <p:sldLayoutIdLst>
@@ -2699,7 +2657,7 @@
         <a:spcBef>
           <a:spcPts val="1000"/>
         </a:spcBef>
-        <a:buFont typeface="Arial"/>
+        <a:buFont typeface="Arial" panose="020B0604020202090204"/>
         <a:buChar char="•"/>
         <a:defRPr sz="2800" kern="1200">
           <a:solidFill>
@@ -2717,7 +2675,7 @@
         <a:spcBef>
           <a:spcPts val="500"/>
         </a:spcBef>
-        <a:buFont typeface="Arial"/>
+        <a:buFont typeface="Arial" panose="020B0604020202090204"/>
         <a:buChar char="•"/>
         <a:defRPr sz="2400" kern="1200">
           <a:solidFill>
@@ -2735,7 +2693,7 @@
         <a:spcBef>
           <a:spcPts val="500"/>
         </a:spcBef>
-        <a:buFont typeface="Arial"/>
+        <a:buFont typeface="Arial" panose="020B0604020202090204"/>
         <a:buChar char="•"/>
         <a:defRPr sz="2000" kern="1200">
           <a:solidFill>
@@ -2753,7 +2711,7 @@
         <a:spcBef>
           <a:spcPts val="500"/>
         </a:spcBef>
-        <a:buFont typeface="Arial"/>
+        <a:buFont typeface="Arial" panose="020B0604020202090204"/>
         <a:buChar char="•"/>
         <a:defRPr sz="1800" kern="1200">
           <a:solidFill>
@@ -2771,7 +2729,7 @@
         <a:spcBef>
           <a:spcPts val="500"/>
         </a:spcBef>
-        <a:buFont typeface="Arial"/>
+        <a:buFont typeface="Arial" panose="020B0604020202090204"/>
         <a:buChar char="•"/>
         <a:defRPr sz="1800" kern="1200">
           <a:solidFill>
@@ -2789,7 +2747,7 @@
         <a:spcBef>
           <a:spcPts val="500"/>
         </a:spcBef>
-        <a:buFont typeface="Arial"/>
+        <a:buFont typeface="Arial" panose="020B0604020202090204"/>
         <a:buChar char="•"/>
         <a:defRPr sz="1800" kern="1200">
           <a:solidFill>
@@ -2807,7 +2765,7 @@
         <a:spcBef>
           <a:spcPts val="500"/>
         </a:spcBef>
-        <a:buFont typeface="Arial"/>
+        <a:buFont typeface="Arial" panose="020B0604020202090204"/>
         <a:buChar char="•"/>
         <a:defRPr sz="1800" kern="1200">
           <a:solidFill>
@@ -2825,7 +2783,7 @@
         <a:spcBef>
           <a:spcPts val="500"/>
         </a:spcBef>
-        <a:buFont typeface="Arial"/>
+        <a:buFont typeface="Arial" panose="020B0604020202090204"/>
         <a:buChar char="•"/>
         <a:defRPr sz="1800" kern="1200">
           <a:solidFill>
@@ -2843,7 +2801,7 @@
         <a:spcBef>
           <a:spcPts val="500"/>
         </a:spcBef>
-        <a:buFont typeface="Arial"/>
+        <a:buFont typeface="Arial" panose="020B0604020202090204"/>
         <a:buChar char="•"/>
         <a:defRPr sz="1800" kern="1200">
           <a:solidFill>
@@ -3026,11 +2984,6 @@
         </p:txBody>
       </p:sp>
     </p:spTree>
-    <p:extLst>
-      <p:ext uri="{BB962C8B-B14F-4D97-AF65-F5344CB8AC3E}">
-        <p14:creationId xmlns:p14="http://schemas.microsoft.com/office/powerpoint/2010/main" val="1585358424"/>
-      </p:ext>
-    </p:extLst>
   </p:cSld>
   <p:clrMapOvr>
     <a:masterClrMapping/>
@@ -3163,6 +3116,7 @@
               <a:rPr kumimoji="1" lang="en-US" altLang="zh-CN" dirty="0" smtClean="0"/>
               <a:t>balancing</a:t>
             </a:r>
+            <a:endParaRPr kumimoji="1" lang="en-US" altLang="zh-CN" dirty="0" smtClean="0"/>
           </a:p>
           <a:p>
             <a:r>
@@ -3177,11 +3131,6 @@
         </p:txBody>
       </p:sp>
     </p:spTree>
-    <p:extLst>
-      <p:ext uri="{BB962C8B-B14F-4D97-AF65-F5344CB8AC3E}">
-        <p14:creationId xmlns:p14="http://schemas.microsoft.com/office/powerpoint/2010/main" val="143508492"/>
-      </p:ext>
-    </p:extLst>
   </p:cSld>
   <p:clrMapOvr>
     <a:masterClrMapping/>
@@ -3242,7 +3191,7 @@
           <p:nvPr/>
         </p:nvPicPr>
         <p:blipFill>
-          <a:blip r:embed="rId2">
+          <a:blip r:embed="rId1">
             <a:extLst>
               <a:ext uri="{28A0092B-C50C-407E-A947-70E740481C1C}">
                 <a14:useLocalDpi xmlns:a14="http://schemas.microsoft.com/office/drawing/2010/main" val="0"/>
@@ -3275,11 +3224,6 @@
         </p:spPr>
       </p:pic>
     </p:spTree>
-    <p:extLst>
-      <p:ext uri="{BB962C8B-B14F-4D97-AF65-F5344CB8AC3E}">
-        <p14:creationId xmlns:p14="http://schemas.microsoft.com/office/powerpoint/2010/main" val="191604207"/>
-      </p:ext>
-    </p:extLst>
   </p:cSld>
   <p:clrMapOvr>
     <a:masterClrMapping/>
@@ -3386,6 +3330,7 @@
               <a:rPr kumimoji="1" lang="en-US" altLang="zh-CN" dirty="0" smtClean="0"/>
               <a:t>CPU</a:t>
             </a:r>
+            <a:endParaRPr kumimoji="1" lang="en-US" altLang="zh-CN" dirty="0" smtClean="0"/>
           </a:p>
           <a:p>
             <a:endParaRPr kumimoji="1" lang="zh-CN" altLang="en-US" dirty="0"/>
@@ -3393,11 +3338,6 @@
         </p:txBody>
       </p:sp>
     </p:spTree>
-    <p:extLst>
-      <p:ext uri="{BB962C8B-B14F-4D97-AF65-F5344CB8AC3E}">
-        <p14:creationId xmlns:p14="http://schemas.microsoft.com/office/powerpoint/2010/main" val="1418231503"/>
-      </p:ext>
-    </p:extLst>
   </p:cSld>
   <p:clrMapOvr>
     <a:masterClrMapping/>
@@ -3476,6 +3416,7 @@
               <a:rPr lang="en-US" altLang="zh-CN" dirty="0"/>
               <a:t>.</a:t>
             </a:r>
+            <a:endParaRPr lang="en-US" altLang="zh-CN" dirty="0"/>
           </a:p>
           <a:p>
             <a:r>
@@ -3514,6 +3455,7 @@
               <a:rPr lang="en-US" altLang="zh-CN" dirty="0"/>
               <a:t>.</a:t>
             </a:r>
+            <a:endParaRPr lang="en-US" altLang="zh-CN" dirty="0"/>
           </a:p>
           <a:p>
             <a:r>
@@ -3540,6 +3482,7 @@
               <a:rPr lang="en-US" altLang="zh-CN" dirty="0"/>
               <a:t>.</a:t>
             </a:r>
+            <a:endParaRPr lang="en-US" altLang="zh-CN" dirty="0"/>
           </a:p>
           <a:p>
             <a:r>
@@ -3562,6 +3505,7 @@
               <a:rPr lang="en-US" altLang="zh-CN" dirty="0"/>
               <a:t>filter.</a:t>
             </a:r>
+            <a:endParaRPr lang="en-US" altLang="zh-CN" dirty="0"/>
           </a:p>
           <a:p>
             <a:r>
@@ -3580,6 +3524,7 @@
               <a:rPr lang="en-US" altLang="zh-CN" dirty="0"/>
               <a:t>filter.</a:t>
             </a:r>
+            <a:endParaRPr lang="en-US" altLang="zh-CN" dirty="0"/>
           </a:p>
           <a:p>
             <a:r>
@@ -3606,6 +3551,7 @@
               <a:rPr lang="en-US" altLang="zh-CN" dirty="0"/>
               <a:t>.</a:t>
             </a:r>
+            <a:endParaRPr lang="en-US" altLang="zh-CN" dirty="0"/>
           </a:p>
           <a:p>
             <a:r>
@@ -3616,6 +3562,7 @@
               <a:rPr lang="en-US" altLang="zh-CN" dirty="0"/>
               <a:t>.</a:t>
             </a:r>
+            <a:endParaRPr lang="en-US" altLang="zh-CN" dirty="0"/>
           </a:p>
           <a:p>
             <a:endParaRPr kumimoji="1" lang="zh-CN" altLang="en-US" dirty="0"/>
@@ -3631,7 +3578,7 @@
           <p:nvPr/>
         </p:nvPicPr>
         <p:blipFill>
-          <a:blip r:embed="rId2"/>
+          <a:blip r:embed="rId1"/>
           <a:stretch>
             <a:fillRect/>
           </a:stretch>
@@ -3647,11 +3594,6 @@
         </p:spPr>
       </p:pic>
     </p:spTree>
-    <p:extLst>
-      <p:ext uri="{BB962C8B-B14F-4D97-AF65-F5344CB8AC3E}">
-        <p14:creationId xmlns:p14="http://schemas.microsoft.com/office/powerpoint/2010/main" val="809611607"/>
-      </p:ext>
-    </p:extLst>
   </p:cSld>
   <p:clrMapOvr>
     <a:masterClrMapping/>
@@ -3855,11 +3797,6 @@
         </p:txBody>
       </p:sp>
     </p:spTree>
-    <p:extLst>
-      <p:ext uri="{BB962C8B-B14F-4D97-AF65-F5344CB8AC3E}">
-        <p14:creationId xmlns:p14="http://schemas.microsoft.com/office/powerpoint/2010/main" val="1845394053"/>
-      </p:ext>
-    </p:extLst>
   </p:cSld>
   <p:clrMapOvr>
     <a:masterClrMapping/>
@@ -3935,7 +3872,7 @@
           <p:nvPr/>
         </p:nvPicPr>
         <p:blipFill>
-          <a:blip r:embed="rId2"/>
+          <a:blip r:embed="rId1"/>
           <a:stretch>
             <a:fillRect/>
           </a:stretch>
@@ -3951,11 +3888,6 @@
         </p:spPr>
       </p:pic>
     </p:spTree>
-    <p:extLst>
-      <p:ext uri="{BB962C8B-B14F-4D97-AF65-F5344CB8AC3E}">
-        <p14:creationId xmlns:p14="http://schemas.microsoft.com/office/powerpoint/2010/main" val="1012474936"/>
-      </p:ext>
-    </p:extLst>
   </p:cSld>
   <p:clrMapOvr>
     <a:masterClrMapping/>
@@ -4043,7 +3975,7 @@
           <p:nvPr/>
         </p:nvPicPr>
         <p:blipFill>
-          <a:blip r:embed="rId2"/>
+          <a:blip r:embed="rId1"/>
           <a:stretch>
             <a:fillRect/>
           </a:stretch>
@@ -4067,7 +3999,7 @@
           <p:nvPr/>
         </p:nvPicPr>
         <p:blipFill>
-          <a:blip r:embed="rId3"/>
+          <a:blip r:embed="rId2"/>
           <a:stretch>
             <a:fillRect/>
           </a:stretch>
@@ -4083,11 +4015,72 @@
         </p:spPr>
       </p:pic>
     </p:spTree>
-    <p:extLst>
-      <p:ext uri="{BB962C8B-B14F-4D97-AF65-F5344CB8AC3E}">
-        <p14:creationId xmlns:p14="http://schemas.microsoft.com/office/powerpoint/2010/main" val="829252141"/>
-      </p:ext>
-    </p:extLst>
+  </p:cSld>
+  <p:clrMapOvr>
+    <a:masterClrMapping/>
+  </p:clrMapOvr>
+</p:sld>
+</file>
+
+<file path=ppt/slides/slide9.xml><?xml version="1.0" encoding="utf-8"?>
+<p:sld xmlns:a="http://schemas.openxmlformats.org/drawingml/2006/main" xmlns:r="http://schemas.openxmlformats.org/officeDocument/2006/relationships" xmlns:p="http://schemas.openxmlformats.org/presentationml/2006/main">
+  <p:cSld>
+    <p:spTree>
+      <p:nvGrpSpPr>
+        <p:cNvPr id="1" name=""/>
+        <p:cNvGrpSpPr/>
+        <p:nvPr/>
+      </p:nvGrpSpPr>
+      <p:grpSpPr/>
+      <p:sp>
+        <p:nvSpPr>
+          <p:cNvPr id="2" name="标题 1"/>
+          <p:cNvSpPr>
+            <a:spLocks noGrp="1"/>
+          </p:cNvSpPr>
+          <p:nvPr>
+            <p:ph type="title"/>
+          </p:nvPr>
+        </p:nvSpPr>
+        <p:spPr/>
+        <p:txBody>
+          <a:bodyPr/>
+          <a:p>
+            <a:r>
+              <a:rPr lang="en-US" altLang="zh-CN"/>
+              <a:t>Find Config Phase</a:t>
+            </a:r>
+            <a:endParaRPr lang="en-US" altLang="zh-CN"/>
+          </a:p>
+        </p:txBody>
+      </p:sp>
+      <p:pic>
+        <p:nvPicPr>
+          <p:cNvPr id="5" name="内容占位符 4"/>
+          <p:cNvPicPr>
+            <a:picLocks noChangeAspect="1"/>
+          </p:cNvPicPr>
+          <p:nvPr>
+            <p:ph idx="1"/>
+          </p:nvPr>
+        </p:nvPicPr>
+        <p:blipFill>
+          <a:blip r:embed="rId1"/>
+          <a:stretch>
+            <a:fillRect/>
+          </a:stretch>
+        </p:blipFill>
+        <p:spPr>
+          <a:xfrm>
+            <a:off x="2005330" y="1825625"/>
+            <a:ext cx="8180705" cy="4351655"/>
+          </a:xfrm>
+          <a:prstGeom prst="rect">
+            <a:avLst/>
+          </a:prstGeom>
+        </p:spPr>
+      </p:pic>
+    </p:spTree>
   </p:cSld>
   <p:clrMapOvr>
     <a:masterClrMapping/>
@@ -4138,7 +4131,7 @@
     </a:clrScheme>
     <a:fontScheme name="Office">
       <a:majorFont>
-        <a:latin typeface="DengXian Light" panose="020F0302020204030204"/>
+        <a:latin typeface="DengXian Light"/>
         <a:ea typeface=""/>
         <a:cs typeface=""/>
         <a:font script="Jpan" typeface="Yu Gothic Light"/>
@@ -4173,7 +4166,7 @@
         <a:font script="Geor" typeface="Sylfaen"/>
       </a:majorFont>
       <a:minorFont>
-        <a:latin typeface="DengXian" panose="020F0502020204030204"/>
+        <a:latin typeface="DengXian"/>
         <a:ea typeface=""/>
         <a:cs typeface=""/>
         <a:font script="Jpan" typeface="Yu Gothic"/>
@@ -4346,8 +4339,6 @@
       </a:bgFillStyleLst>
     </a:fmtScheme>
   </a:themeElements>
-  <a:objectDefaults/>
-  <a:extraClrSchemeLst/>
   <a:extLst>
     <a:ext uri="{05A4C25C-085E-4340-85A3-A5531E510DB2}">
       <thm15:themeFamily xmlns:thm15="http://schemas.microsoft.com/office/thememl/2012/main" name="Office Theme" id="{62F939B6-93AF-4DB8-9C6B-D6C7DFDC589F}" vid="{4A3C46E8-61CC-4603-A589-7422A47A8E4A}"/>
